--- a/static/tree_model.pptx
+++ b/static/tree_model.pptx
@@ -127,6 +127,11 @@
       </a:defRPr>
     </a:lvl9pPr>
   </p:defaultTextStyle>
+  <p:extLst>
+    <p:ext uri="{EFAFB233-063F-42B5-8137-9DF3F51BA10A}">
+      <p15:sldGuideLst xmlns:p15="http://schemas.microsoft.com/office/powerpoint/2012/main"/>
+    </p:ext>
+  </p:extLst>
 </p:presentation>
 </file>
 
@@ -277,7 +282,7 @@
           <a:p>
             <a:fld id="{050201EB-919D-43F8-A187-0ACB3D73FE0B}" type="datetimeFigureOut">
               <a:rPr lang="zh-CN" altLang="en-US" smtClean="0"/>
-              <a:t>2021/4/12,Monday</a:t>
+              <a:t>2021/4/13,Tuesday</a:t>
             </a:fld>
             <a:endParaRPr lang="zh-CN" altLang="en-US"/>
           </a:p>
@@ -475,7 +480,7 @@
           <a:p>
             <a:fld id="{050201EB-919D-43F8-A187-0ACB3D73FE0B}" type="datetimeFigureOut">
               <a:rPr lang="zh-CN" altLang="en-US" smtClean="0"/>
-              <a:t>2021/4/12,Monday</a:t>
+              <a:t>2021/4/13,Tuesday</a:t>
             </a:fld>
             <a:endParaRPr lang="zh-CN" altLang="en-US"/>
           </a:p>
@@ -683,7 +688,7 @@
           <a:p>
             <a:fld id="{050201EB-919D-43F8-A187-0ACB3D73FE0B}" type="datetimeFigureOut">
               <a:rPr lang="zh-CN" altLang="en-US" smtClean="0"/>
-              <a:t>2021/4/12,Monday</a:t>
+              <a:t>2021/4/13,Tuesday</a:t>
             </a:fld>
             <a:endParaRPr lang="zh-CN" altLang="en-US"/>
           </a:p>
@@ -881,7 +886,7 @@
           <a:p>
             <a:fld id="{050201EB-919D-43F8-A187-0ACB3D73FE0B}" type="datetimeFigureOut">
               <a:rPr lang="zh-CN" altLang="en-US" smtClean="0"/>
-              <a:t>2021/4/12,Monday</a:t>
+              <a:t>2021/4/13,Tuesday</a:t>
             </a:fld>
             <a:endParaRPr lang="zh-CN" altLang="en-US"/>
           </a:p>
@@ -1156,7 +1161,7 @@
           <a:p>
             <a:fld id="{050201EB-919D-43F8-A187-0ACB3D73FE0B}" type="datetimeFigureOut">
               <a:rPr lang="zh-CN" altLang="en-US" smtClean="0"/>
-              <a:t>2021/4/12,Monday</a:t>
+              <a:t>2021/4/13,Tuesday</a:t>
             </a:fld>
             <a:endParaRPr lang="zh-CN" altLang="en-US"/>
           </a:p>
@@ -1421,7 +1426,7 @@
           <a:p>
             <a:fld id="{050201EB-919D-43F8-A187-0ACB3D73FE0B}" type="datetimeFigureOut">
               <a:rPr lang="zh-CN" altLang="en-US" smtClean="0"/>
-              <a:t>2021/4/12,Monday</a:t>
+              <a:t>2021/4/13,Tuesday</a:t>
             </a:fld>
             <a:endParaRPr lang="zh-CN" altLang="en-US"/>
           </a:p>
@@ -1833,7 +1838,7 @@
           <a:p>
             <a:fld id="{050201EB-919D-43F8-A187-0ACB3D73FE0B}" type="datetimeFigureOut">
               <a:rPr lang="zh-CN" altLang="en-US" smtClean="0"/>
-              <a:t>2021/4/12,Monday</a:t>
+              <a:t>2021/4/13,Tuesday</a:t>
             </a:fld>
             <a:endParaRPr lang="zh-CN" altLang="en-US"/>
           </a:p>
@@ -1974,7 +1979,7 @@
           <a:p>
             <a:fld id="{050201EB-919D-43F8-A187-0ACB3D73FE0B}" type="datetimeFigureOut">
               <a:rPr lang="zh-CN" altLang="en-US" smtClean="0"/>
-              <a:t>2021/4/12,Monday</a:t>
+              <a:t>2021/4/13,Tuesday</a:t>
             </a:fld>
             <a:endParaRPr lang="zh-CN" altLang="en-US"/>
           </a:p>
@@ -2087,7 +2092,7 @@
           <a:p>
             <a:fld id="{050201EB-919D-43F8-A187-0ACB3D73FE0B}" type="datetimeFigureOut">
               <a:rPr lang="zh-CN" altLang="en-US" smtClean="0"/>
-              <a:t>2021/4/12,Monday</a:t>
+              <a:t>2021/4/13,Tuesday</a:t>
             </a:fld>
             <a:endParaRPr lang="zh-CN" altLang="en-US"/>
           </a:p>
@@ -2398,7 +2403,7 @@
           <a:p>
             <a:fld id="{050201EB-919D-43F8-A187-0ACB3D73FE0B}" type="datetimeFigureOut">
               <a:rPr lang="zh-CN" altLang="en-US" smtClean="0"/>
-              <a:t>2021/4/12,Monday</a:t>
+              <a:t>2021/4/13,Tuesday</a:t>
             </a:fld>
             <a:endParaRPr lang="zh-CN" altLang="en-US"/>
           </a:p>
@@ -2686,7 +2691,7 @@
           <a:p>
             <a:fld id="{050201EB-919D-43F8-A187-0ACB3D73FE0B}" type="datetimeFigureOut">
               <a:rPr lang="zh-CN" altLang="en-US" smtClean="0"/>
-              <a:t>2021/4/12,Monday</a:t>
+              <a:t>2021/4/13,Tuesday</a:t>
             </a:fld>
             <a:endParaRPr lang="zh-CN" altLang="en-US"/>
           </a:p>
@@ -2927,7 +2932,7 @@
           <a:p>
             <a:fld id="{050201EB-919D-43F8-A187-0ACB3D73FE0B}" type="datetimeFigureOut">
               <a:rPr lang="zh-CN" altLang="en-US" smtClean="0"/>
-              <a:t>2021/4/12,Monday</a:t>
+              <a:t>2021/4/13,Tuesday</a:t>
             </a:fld>
             <a:endParaRPr lang="zh-CN" altLang="en-US"/>
           </a:p>
@@ -3463,8 +3468,8 @@
           </a:p>
         </p:txBody>
       </p:sp>
-      <mc:AlternateContent xmlns:mc="http://schemas.openxmlformats.org/markup-compatibility/2006">
-        <mc:Choice xmlns:a14="http://schemas.microsoft.com/office/drawing/2010/main" Requires="a14">
+      <mc:AlternateContent xmlns:mc="http://schemas.openxmlformats.org/markup-compatibility/2006" xmlns:a14="http://schemas.microsoft.com/office/drawing/2010/main">
+        <mc:Choice Requires="a14">
           <p:sp>
             <p:nvSpPr>
               <p:cNvPr id="3" name="内容占位符 2">
@@ -3741,7 +3746,7 @@
             </p:txBody>
           </p:sp>
         </mc:Choice>
-        <mc:Fallback>
+        <mc:Fallback xmlns="">
           <p:sp>
             <p:nvSpPr>
               <p:cNvPr id="3" name="内容占位符 2">
@@ -6120,7 +6125,25 @@
           <a:p>
             <a:r>
               <a:rPr lang="zh-CN" altLang="en-US" dirty="0"/>
-              <a:t>树模型是一种基于特征空间划分的，具有树形分支结构的模型。</a:t>
+              <a:t>最贴近于人类思维的模型。</a:t>
+            </a:r>
+            <a:endParaRPr lang="en-US" altLang="zh-CN" dirty="0"/>
+          </a:p>
+          <a:p>
+            <a:endParaRPr lang="en-US" altLang="zh-CN" dirty="0"/>
+          </a:p>
+          <a:p>
+            <a:r>
+              <a:rPr lang="zh-CN" altLang="en-US" dirty="0"/>
+              <a:t>定义：</a:t>
+            </a:r>
+            <a:endParaRPr lang="en-US" altLang="zh-CN" dirty="0"/>
+          </a:p>
+          <a:p>
+            <a:pPr lvl="1"/>
+            <a:r>
+              <a:rPr lang="zh-CN" altLang="en-US" sz="2800" dirty="0"/>
+              <a:t>是一种基于特征空间划分的，具有树形分支结构的模型。</a:t>
             </a:r>
           </a:p>
         </p:txBody>
@@ -6183,21 +6206,62 @@
           </a:p>
         </p:txBody>
       </p:sp>
+      <p:sp>
+        <p:nvSpPr>
+          <p:cNvPr id="3" name="内容占位符 2">
+            <a:extLst>
+              <a:ext uri="{FF2B5EF4-FFF2-40B4-BE49-F238E27FC236}">
+                <a16:creationId xmlns:a16="http://schemas.microsoft.com/office/drawing/2014/main" id="{B326CCFE-1552-47EA-A713-3C6363863470}"/>
+              </a:ext>
+            </a:extLst>
+          </p:cNvPr>
+          <p:cNvSpPr>
+            <a:spLocks noGrp="1"/>
+          </p:cNvSpPr>
+          <p:nvPr>
+            <p:ph idx="1"/>
+          </p:nvPr>
+        </p:nvSpPr>
+        <p:spPr>
+          <a:xfrm>
+            <a:off x="838200" y="1825625"/>
+            <a:ext cx="3775305" cy="4351338"/>
+          </a:xfrm>
+        </p:spPr>
+        <p:txBody>
+          <a:bodyPr/>
+          <a:lstStyle/>
+          <a:p>
+            <a:r>
+              <a:rPr lang="zh-CN" altLang="en-US" dirty="0"/>
+              <a:t>树模型中最基础，也是最有名的模型。</a:t>
+            </a:r>
+            <a:endParaRPr lang="en-US" altLang="zh-CN" dirty="0"/>
+          </a:p>
+          <a:p>
+            <a:endParaRPr lang="en-US" altLang="zh-CN" dirty="0"/>
+          </a:p>
+          <a:p>
+            <a:r>
+              <a:rPr lang="zh-CN" altLang="en-US" dirty="0"/>
+              <a:t>被认为是一堆条件判断的规则集合。</a:t>
+            </a:r>
+          </a:p>
+        </p:txBody>
+      </p:sp>
       <p:pic>
         <p:nvPicPr>
-          <p:cNvPr id="1026" name="Picture 2" descr="决策树">
-            <a:extLst>
-              <a:ext uri="{FF2B5EF4-FFF2-40B4-BE49-F238E27FC236}">
-                <a16:creationId xmlns:a16="http://schemas.microsoft.com/office/drawing/2014/main" id="{706A4C48-8119-430B-8DA7-FB19E2025077}"/>
+          <p:cNvPr id="4" name="Picture 2" descr="决策树">
+            <a:extLst>
+              <a:ext uri="{FF2B5EF4-FFF2-40B4-BE49-F238E27FC236}">
+                <a16:creationId xmlns:a16="http://schemas.microsoft.com/office/drawing/2014/main" id="{0FFE9F11-5AA1-467D-8D3F-69FF76EADE6D}"/>
               </a:ext>
             </a:extLst>
           </p:cNvPr>
           <p:cNvPicPr>
-            <a:picLocks noGrp="1" noChangeAspect="1" noChangeArrowheads="1"/>
+            <a:picLocks noChangeAspect="1" noChangeArrowheads="1"/>
           </p:cNvPicPr>
-          <p:nvPr>
-            <p:ph idx="1"/>
-          </p:nvPr>
+          <p:nvPr/>
         </p:nvPicPr>
         <p:blipFill>
           <a:blip r:embed="rId2">
@@ -6214,8 +6278,8 @@
         </p:blipFill>
         <p:spPr bwMode="auto">
           <a:xfrm>
-            <a:off x="2252446" y="1606712"/>
-            <a:ext cx="7687108" cy="4551492"/>
+            <a:off x="4417565" y="926751"/>
+            <a:ext cx="7622092" cy="4512996"/>
           </a:xfrm>
           <a:prstGeom prst="rect">
             <a:avLst/>
@@ -6449,8 +6513,8 @@
           </a:p>
         </p:txBody>
       </p:sp>
-      <mc:AlternateContent xmlns:mc="http://schemas.openxmlformats.org/markup-compatibility/2006">
-        <mc:Choice xmlns:a14="http://schemas.microsoft.com/office/drawing/2010/main" Requires="a14">
+      <mc:AlternateContent xmlns:mc="http://schemas.openxmlformats.org/markup-compatibility/2006" xmlns:a14="http://schemas.microsoft.com/office/drawing/2010/main">
+        <mc:Choice Requires="a14">
           <p:sp>
             <p:nvSpPr>
               <p:cNvPr id="3" name="内容占位符 2">
@@ -6801,13 +6865,7 @@
                       <a:rPr lang="en-US" altLang="zh-CN" b="0" i="1" smtClean="0">
                         <a:latin typeface="Cambria Math" panose="02040503050406030204" pitchFamily="18" charset="0"/>
                       </a:rPr>
-                      <m:t>=</m:t>
-                    </m:r>
-                    <m:r>
-                      <a:rPr lang="en-US" altLang="zh-CN" b="0" i="1" smtClean="0">
-                        <a:latin typeface="Cambria Math" panose="02040503050406030204" pitchFamily="18" charset="0"/>
-                      </a:rPr>
-                      <m:t>−</m:t>
+                      <m:t>=−</m:t>
                     </m:r>
                     <m:nary>
                       <m:naryPr>
@@ -7241,13 +7299,7 @@
                         <a:rPr lang="en-US" altLang="zh-CN" b="0" i="1" smtClean="0">
                           <a:latin typeface="Cambria Math" panose="02040503050406030204" pitchFamily="18" charset="0"/>
                         </a:rPr>
-                        <m:t>=</m:t>
-                      </m:r>
-                      <m:r>
-                        <a:rPr lang="en-US" altLang="zh-CN" b="0" i="1" smtClean="0">
-                          <a:latin typeface="Cambria Math" panose="02040503050406030204" pitchFamily="18" charset="0"/>
-                        </a:rPr>
-                        <m:t>−</m:t>
+                        <m:t>=−</m:t>
                       </m:r>
                       <m:nary>
                         <m:naryPr>
@@ -7422,13 +7474,7 @@
                                     <a:rPr lang="en-US" altLang="zh-CN" b="0" i="1" smtClean="0">
                                       <a:latin typeface="Cambria Math" panose="02040503050406030204" pitchFamily="18" charset="0"/>
                                     </a:rPr>
-                                    <m:t>𝑖</m:t>
-                                  </m:r>
-                                  <m:r>
-                                    <a:rPr lang="en-US" altLang="zh-CN" b="0" i="1" smtClean="0">
-                                      <a:latin typeface="Cambria Math" panose="02040503050406030204" pitchFamily="18" charset="0"/>
-                                    </a:rPr>
-                                    <m:t>𝑘</m:t>
+                                    <m:t>𝑖𝑘</m:t>
                                   </m:r>
                                 </m:sub>
                               </m:sSub>
@@ -7554,13 +7600,7 @@
                                         <a:rPr lang="en-US" altLang="zh-CN" b="0" i="1" smtClean="0">
                                           <a:latin typeface="Cambria Math" panose="02040503050406030204" pitchFamily="18" charset="0"/>
                                         </a:rPr>
-                                        <m:t>𝑖</m:t>
-                                      </m:r>
-                                      <m:r>
-                                        <a:rPr lang="en-US" altLang="zh-CN" b="0" i="1" smtClean="0">
-                                          <a:latin typeface="Cambria Math" panose="02040503050406030204" pitchFamily="18" charset="0"/>
-                                        </a:rPr>
-                                        <m:t>𝑘</m:t>
+                                        <m:t>𝑖𝑘</m:t>
                                       </m:r>
                                     </m:sub>
                                   </m:sSub>
@@ -7746,7 +7786,7 @@
             </p:txBody>
           </p:sp>
         </mc:Choice>
-        <mc:Fallback>
+        <mc:Fallback xmlns="">
           <p:sp>
             <p:nvSpPr>
               <p:cNvPr id="3" name="内容占位符 2">
@@ -7852,8 +7892,8 @@
           </a:p>
         </p:txBody>
       </p:sp>
-      <mc:AlternateContent xmlns:mc="http://schemas.openxmlformats.org/markup-compatibility/2006">
-        <mc:Choice xmlns:a14="http://schemas.microsoft.com/office/drawing/2010/main" Requires="a14">
+      <mc:AlternateContent xmlns:mc="http://schemas.openxmlformats.org/markup-compatibility/2006" xmlns:a14="http://schemas.microsoft.com/office/drawing/2010/main">
+        <mc:Choice Requires="a14">
           <p:sp>
             <p:nvSpPr>
               <p:cNvPr id="3" name="内容占位符 2">
@@ -8717,7 +8757,7 @@
             </p:txBody>
           </p:sp>
         </mc:Choice>
-        <mc:Fallback>
+        <mc:Fallback xmlns="">
           <p:sp>
             <p:nvSpPr>
               <p:cNvPr id="3" name="内容占位符 2">
@@ -8823,8 +8863,8 @@
           </a:p>
         </p:txBody>
       </p:sp>
-      <mc:AlternateContent xmlns:mc="http://schemas.openxmlformats.org/markup-compatibility/2006">
-        <mc:Choice xmlns:a14="http://schemas.microsoft.com/office/drawing/2010/main" Requires="a14">
+      <mc:AlternateContent xmlns:mc="http://schemas.openxmlformats.org/markup-compatibility/2006" xmlns:a14="http://schemas.microsoft.com/office/drawing/2010/main">
+        <mc:Choice Requires="a14">
           <p:sp>
             <p:nvSpPr>
               <p:cNvPr id="3" name="内容占位符 2">
@@ -9439,7 +9479,7 @@
             </p:txBody>
           </p:sp>
         </mc:Choice>
-        <mc:Fallback>
+        <mc:Fallback xmlns="">
           <p:sp>
             <p:nvSpPr>
               <p:cNvPr id="3" name="内容占位符 2">
